--- a/docs/diagrams/StatisticUpdateSequenceDiagram.pptx
+++ b/docs/diagrams/StatisticUpdateSequenceDiagram.pptx
@@ -208,7 +208,7 @@
           <a:p>
             <a:fld id="{F5CC4B3F-88C1-4FFA-B1B6-F41C21DC6924}" type="datetimeFigureOut">
               <a:rPr lang="en-US" smtClean="0"/>
-              <a:t>3/18/2019</a:t>
+              <a:t>4/14/2019</a:t>
             </a:fld>
             <a:endParaRPr lang="en-US"/>
           </a:p>
@@ -654,7 +654,7 @@
           <a:p>
             <a:fld id="{78C97017-6FC3-485B-9764-EAC9E56C1D49}" type="datetimeFigureOut">
               <a:rPr lang="en-US" smtClean="0"/>
-              <a:t>3/18/2019</a:t>
+              <a:t>4/14/2019</a:t>
             </a:fld>
             <a:endParaRPr lang="en-US"/>
           </a:p>
@@ -822,7 +822,7 @@
           <a:p>
             <a:fld id="{78C97017-6FC3-485B-9764-EAC9E56C1D49}" type="datetimeFigureOut">
               <a:rPr lang="en-US" smtClean="0"/>
-              <a:t>3/18/2019</a:t>
+              <a:t>4/14/2019</a:t>
             </a:fld>
             <a:endParaRPr lang="en-US"/>
           </a:p>
@@ -1000,7 +1000,7 @@
           <a:p>
             <a:fld id="{78C97017-6FC3-485B-9764-EAC9E56C1D49}" type="datetimeFigureOut">
               <a:rPr lang="en-US" smtClean="0"/>
-              <a:t>3/18/2019</a:t>
+              <a:t>4/14/2019</a:t>
             </a:fld>
             <a:endParaRPr lang="en-US"/>
           </a:p>
@@ -1168,7 +1168,7 @@
           <a:p>
             <a:fld id="{78C97017-6FC3-485B-9764-EAC9E56C1D49}" type="datetimeFigureOut">
               <a:rPr lang="en-US" smtClean="0"/>
-              <a:t>3/18/2019</a:t>
+              <a:t>4/14/2019</a:t>
             </a:fld>
             <a:endParaRPr lang="en-US"/>
           </a:p>
@@ -1413,7 +1413,7 @@
           <a:p>
             <a:fld id="{78C97017-6FC3-485B-9764-EAC9E56C1D49}" type="datetimeFigureOut">
               <a:rPr lang="en-US" smtClean="0"/>
-              <a:t>3/18/2019</a:t>
+              <a:t>4/14/2019</a:t>
             </a:fld>
             <a:endParaRPr lang="en-US"/>
           </a:p>
@@ -1698,7 +1698,7 @@
           <a:p>
             <a:fld id="{78C97017-6FC3-485B-9764-EAC9E56C1D49}" type="datetimeFigureOut">
               <a:rPr lang="en-US" smtClean="0"/>
-              <a:t>3/18/2019</a:t>
+              <a:t>4/14/2019</a:t>
             </a:fld>
             <a:endParaRPr lang="en-US"/>
           </a:p>
@@ -2117,7 +2117,7 @@
           <a:p>
             <a:fld id="{78C97017-6FC3-485B-9764-EAC9E56C1D49}" type="datetimeFigureOut">
               <a:rPr lang="en-US" smtClean="0"/>
-              <a:t>3/18/2019</a:t>
+              <a:t>4/14/2019</a:t>
             </a:fld>
             <a:endParaRPr lang="en-US"/>
           </a:p>
@@ -2234,7 +2234,7 @@
           <a:p>
             <a:fld id="{78C97017-6FC3-485B-9764-EAC9E56C1D49}" type="datetimeFigureOut">
               <a:rPr lang="en-US" smtClean="0"/>
-              <a:t>3/18/2019</a:t>
+              <a:t>4/14/2019</a:t>
             </a:fld>
             <a:endParaRPr lang="en-US"/>
           </a:p>
@@ -2329,7 +2329,7 @@
           <a:p>
             <a:fld id="{78C97017-6FC3-485B-9764-EAC9E56C1D49}" type="datetimeFigureOut">
               <a:rPr lang="en-US" smtClean="0"/>
-              <a:t>3/18/2019</a:t>
+              <a:t>4/14/2019</a:t>
             </a:fld>
             <a:endParaRPr lang="en-US"/>
           </a:p>
@@ -2604,7 +2604,7 @@
           <a:p>
             <a:fld id="{78C97017-6FC3-485B-9764-EAC9E56C1D49}" type="datetimeFigureOut">
               <a:rPr lang="en-US" smtClean="0"/>
-              <a:t>3/18/2019</a:t>
+              <a:t>4/14/2019</a:t>
             </a:fld>
             <a:endParaRPr lang="en-US"/>
           </a:p>
@@ -2856,7 +2856,7 @@
           <a:p>
             <a:fld id="{78C97017-6FC3-485B-9764-EAC9E56C1D49}" type="datetimeFigureOut">
               <a:rPr lang="en-US" smtClean="0"/>
-              <a:t>3/18/2019</a:t>
+              <a:t>4/14/2019</a:t>
             </a:fld>
             <a:endParaRPr lang="en-US"/>
           </a:p>
@@ -3067,7 +3067,7 @@
           <a:p>
             <a:fld id="{78C97017-6FC3-485B-9764-EAC9E56C1D49}" type="datetimeFigureOut">
               <a:rPr lang="en-US" smtClean="0"/>
-              <a:t>3/18/2019</a:t>
+              <a:t>4/14/2019</a:t>
             </a:fld>
             <a:endParaRPr lang="en-US"/>
           </a:p>
@@ -3444,14 +3444,81 @@
       </p:grpSpPr>
       <p:sp>
         <p:nvSpPr>
+          <p:cNvPr id="47" name="Rectangle 65">
+            <a:extLst>
+              <a:ext uri="{FF2B5EF4-FFF2-40B4-BE49-F238E27FC236}">
+                <a16:creationId xmlns:a16="http://schemas.microsoft.com/office/drawing/2014/main" id="{742E0959-C5E9-4C25-8EA8-2A1FEC0AECF9}"/>
+              </a:ext>
+            </a:extLst>
+          </p:cNvPr>
+          <p:cNvSpPr/>
+          <p:nvPr/>
+        </p:nvSpPr>
+        <p:spPr>
+          <a:xfrm>
+            <a:off x="-113815" y="394221"/>
+            <a:ext cx="1762287" cy="5139885"/>
+          </a:xfrm>
+          <a:prstGeom prst="roundRect">
+            <a:avLst>
+              <a:gd name="adj" fmla="val 3484"/>
+            </a:avLst>
+          </a:prstGeom>
+          <a:solidFill>
+            <a:schemeClr val="accent3">
+              <a:lumMod val="40000"/>
+              <a:lumOff val="60000"/>
+            </a:schemeClr>
+          </a:solidFill>
+          <a:ln w="19050">
+            <a:noFill/>
+          </a:ln>
+          <a:effectLst/>
+        </p:spPr>
+        <p:style>
+          <a:lnRef idx="1">
+            <a:schemeClr val="accent2"/>
+          </a:lnRef>
+          <a:fillRef idx="2">
+            <a:schemeClr val="accent2"/>
+          </a:fillRef>
+          <a:effectRef idx="1">
+            <a:schemeClr val="accent2"/>
+          </a:effectRef>
+          <a:fontRef idx="minor">
+            <a:schemeClr val="dk1"/>
+          </a:fontRef>
+        </p:style>
+        <p:txBody>
+          <a:bodyPr rtlCol="0" anchor="t"/>
+          <a:lstStyle/>
+          <a:p>
+            <a:r>
+              <a:rPr lang="en-US" sz="1200" b="1" dirty="0">
+                <a:solidFill>
+                  <a:srgbClr val="00B050"/>
+                </a:solidFill>
+              </a:rPr>
+              <a:t>UI</a:t>
+            </a:r>
+            <a:endParaRPr lang="en-SG" sz="1200" b="1" dirty="0">
+              <a:solidFill>
+                <a:srgbClr val="00B050"/>
+              </a:solidFill>
+            </a:endParaRPr>
+          </a:p>
+        </p:txBody>
+      </p:sp>
+      <p:sp>
+        <p:nvSpPr>
           <p:cNvPr id="56" name="Rectangle 65"/>
           <p:cNvSpPr/>
           <p:nvPr/>
         </p:nvSpPr>
         <p:spPr>
           <a:xfrm>
-            <a:off x="6459374" y="118895"/>
-            <a:ext cx="3903825" cy="4400926"/>
+            <a:off x="7909342" y="340944"/>
+            <a:ext cx="3528846" cy="5193162"/>
           </a:xfrm>
           <a:prstGeom prst="roundRect">
             <a:avLst>
@@ -3511,8 +3578,8 @@
         </p:nvSpPr>
         <p:spPr>
           <a:xfrm>
-            <a:off x="467813" y="163018"/>
-            <a:ext cx="5863964" cy="4343400"/>
+            <a:off x="1752600" y="381000"/>
+            <a:ext cx="6026977" cy="5139884"/>
           </a:xfrm>
           <a:prstGeom prst="roundRect">
             <a:avLst>
@@ -3572,7 +3639,7 @@
         </p:nvSpPr>
         <p:spPr>
           <a:xfrm>
-            <a:off x="883145" y="543946"/>
+            <a:off x="2330945" y="761928"/>
             <a:ext cx="1455629" cy="346760"/>
           </a:xfrm>
           <a:prstGeom prst="rect">
@@ -3641,8 +3708,8 @@
         </p:nvCxnSpPr>
         <p:spPr>
           <a:xfrm>
-            <a:off x="1610959" y="907617"/>
-            <a:ext cx="0" cy="3481399"/>
+            <a:off x="3058759" y="1125599"/>
+            <a:ext cx="0" cy="3979801"/>
           </a:xfrm>
           <a:prstGeom prst="line">
             <a:avLst/>
@@ -3678,8 +3745,8 @@
         </p:nvSpPr>
         <p:spPr>
           <a:xfrm>
-            <a:off x="1538951" y="1258311"/>
-            <a:ext cx="152400" cy="2932689"/>
+            <a:off x="2989723" y="1476293"/>
+            <a:ext cx="149427" cy="3261329"/>
           </a:xfrm>
           <a:prstGeom prst="rect">
             <a:avLst/>
@@ -3725,7 +3792,7 @@
         </p:nvSpPr>
         <p:spPr>
           <a:xfrm>
-            <a:off x="3437188" y="423022"/>
+            <a:off x="4884988" y="641004"/>
             <a:ext cx="1219200" cy="467684"/>
           </a:xfrm>
           <a:prstGeom prst="rect">
@@ -3797,7 +3864,7 @@
         </p:nvCxnSpPr>
         <p:spPr>
           <a:xfrm>
-            <a:off x="4050587" y="907617"/>
+            <a:off x="5498387" y="1125599"/>
             <a:ext cx="0" cy="1482984"/>
           </a:xfrm>
           <a:prstGeom prst="line">
@@ -3834,7 +3901,7 @@
         </p:nvSpPr>
         <p:spPr>
           <a:xfrm>
-            <a:off x="3978580" y="1365810"/>
+            <a:off x="5426380" y="1583792"/>
             <a:ext cx="154408" cy="767790"/>
           </a:xfrm>
           <a:prstGeom prst="rect">
@@ -3883,14 +3950,13 @@
           <p:cNvCxnSpPr>
             <a:cxnSpLocks/>
             <a:stCxn id="21" idx="0"/>
-            <a:endCxn id="4" idx="0"/>
           </p:cNvCxnSpPr>
           <p:nvPr/>
         </p:nvCxnSpPr>
         <p:spPr>
-          <a:xfrm>
-            <a:off x="5602082" y="1613633"/>
-            <a:ext cx="0" cy="2644578"/>
+          <a:xfrm flipH="1">
+            <a:off x="7048031" y="1831615"/>
+            <a:ext cx="1851" cy="1767655"/>
           </a:xfrm>
           <a:prstGeom prst="line">
             <a:avLst/>
@@ -3926,7 +3992,7 @@
         </p:nvSpPr>
         <p:spPr>
           <a:xfrm>
-            <a:off x="5525882" y="1613633"/>
+            <a:off x="6973682" y="1831615"/>
             <a:ext cx="152400" cy="276003"/>
           </a:xfrm>
           <a:prstGeom prst="rect">
@@ -3968,13 +4034,15 @@
       <p:cxnSp>
         <p:nvCxnSpPr>
           <p:cNvPr id="23" name="Straight Arrow Connector 22"/>
-          <p:cNvCxnSpPr/>
+          <p:cNvCxnSpPr>
+            <a:cxnSpLocks/>
+          </p:cNvCxnSpPr>
           <p:nvPr/>
         </p:nvCxnSpPr>
         <p:spPr>
           <a:xfrm>
-            <a:off x="419100" y="1261999"/>
-            <a:ext cx="1119851" cy="0"/>
+            <a:off x="873553" y="1476293"/>
+            <a:ext cx="2113198" cy="3689"/>
           </a:xfrm>
           <a:prstGeom prst="straightConnector1">
             <a:avLst/>
@@ -4009,7 +4077,7 @@
         </p:nvSpPr>
         <p:spPr>
           <a:xfrm>
-            <a:off x="38100" y="990600"/>
+            <a:off x="1485900" y="1208582"/>
             <a:ext cx="1424846" cy="215444"/>
           </a:xfrm>
           <a:prstGeom prst="rect">
@@ -4030,7 +4098,7 @@
                   <a:srgbClr val="0070C0"/>
                 </a:solidFill>
               </a:rPr>
-              <a:t>execute(“add”)</a:t>
+              <a:t>execute(“stat”)</a:t>
             </a:r>
           </a:p>
         </p:txBody>
@@ -4043,7 +4111,7 @@
         </p:nvCxnSpPr>
         <p:spPr>
           <a:xfrm flipV="1">
-            <a:off x="4135972" y="1512340"/>
+            <a:off x="5583772" y="1730322"/>
             <a:ext cx="922392" cy="1"/>
           </a:xfrm>
           <a:prstGeom prst="straightConnector1">
@@ -4079,7 +4147,7 @@
         </p:nvSpPr>
         <p:spPr>
           <a:xfrm>
-            <a:off x="3243421" y="2484071"/>
+            <a:off x="4691221" y="2702053"/>
             <a:ext cx="855809" cy="215444"/>
           </a:xfrm>
           <a:prstGeom prst="rect">
@@ -4119,7 +4187,7 @@
         </p:nvCxnSpPr>
         <p:spPr>
           <a:xfrm>
-            <a:off x="4109108" y="1878232"/>
+            <a:off x="5556908" y="2096214"/>
             <a:ext cx="1492974" cy="0"/>
           </a:xfrm>
           <a:prstGeom prst="straightConnector1">
@@ -4159,7 +4227,7 @@
         </p:nvCxnSpPr>
         <p:spPr>
           <a:xfrm>
-            <a:off x="1691351" y="2133600"/>
+            <a:off x="3139151" y="2351582"/>
             <a:ext cx="2348067" cy="0"/>
           </a:xfrm>
           <a:prstGeom prst="straightConnector1">
@@ -4192,13 +4260,16 @@
       <p:cxnSp>
         <p:nvCxnSpPr>
           <p:cNvPr id="37" name="Straight Arrow Connector 36"/>
-          <p:cNvCxnSpPr/>
+          <p:cNvCxnSpPr>
+            <a:cxnSpLocks/>
+            <a:endCxn id="6" idx="2"/>
+          </p:cNvCxnSpPr>
           <p:nvPr/>
         </p:nvCxnSpPr>
         <p:spPr>
           <a:xfrm>
-            <a:off x="380999" y="4191000"/>
-            <a:ext cx="1196051" cy="0"/>
+            <a:off x="884604" y="4737622"/>
+            <a:ext cx="2179833" cy="0"/>
           </a:xfrm>
           <a:prstGeom prst="straightConnector1">
             <a:avLst/>
@@ -4235,8 +4306,8 @@
         </p:nvSpPr>
         <p:spPr>
           <a:xfrm>
-            <a:off x="5526488" y="2731313"/>
-            <a:ext cx="161322" cy="1307285"/>
+            <a:off x="6974288" y="2949295"/>
+            <a:ext cx="148771" cy="448903"/>
           </a:xfrm>
           <a:prstGeom prst="rect">
             <a:avLst/>
@@ -4282,7 +4353,7 @@
         </p:nvSpPr>
         <p:spPr>
           <a:xfrm>
-            <a:off x="5651548" y="2748246"/>
+            <a:off x="5485556" y="3918577"/>
             <a:ext cx="1298078" cy="184666"/>
           </a:xfrm>
           <a:prstGeom prst="rect">
@@ -4316,15 +4387,17 @@
                   </a:schemeClr>
                 </a:solidFill>
               </a:rPr>
-              <a:t>addPerson</a:t>
+              <a:t>getData</a:t>
             </a:r>
             <a:r>
               <a:rPr lang="en-US" sz="1200" dirty="0">
                 <a:solidFill>
-                  <a:srgbClr val="7030A0"/>
+                  <a:schemeClr val="accent4">
+                    <a:lumMod val="75000"/>
+                  </a:schemeClr>
                 </a:solidFill>
               </a:rPr>
-              <a:t>(person)</a:t>
+              <a:t>()</a:t>
             </a:r>
             <a:endParaRPr lang="en-US" sz="1200" dirty="0"/>
           </a:p>
@@ -4338,7 +4411,7 @@
         </p:nvSpPr>
         <p:spPr>
           <a:xfrm>
-            <a:off x="1885189" y="1106150"/>
+            <a:off x="3332989" y="1324132"/>
             <a:ext cx="1899551" cy="215444"/>
           </a:xfrm>
           <a:prstGeom prst="rect">
@@ -4369,7 +4442,7 @@
             </a:r>
             <a:r>
               <a:rPr lang="en-US" dirty="0"/>
-              <a:t>(“add”)</a:t>
+              <a:t>(“stat”)</a:t>
             </a:r>
           </a:p>
         </p:txBody>
@@ -4382,8 +4455,8 @@
         </p:nvSpPr>
         <p:spPr>
           <a:xfrm>
-            <a:off x="3272755" y="3791076"/>
-            <a:ext cx="621216" cy="215444"/>
+            <a:off x="4759502" y="3150894"/>
+            <a:ext cx="916259" cy="215444"/>
           </a:xfrm>
           <a:prstGeom prst="rect">
             <a:avLst/>
@@ -4408,9 +4481,10 @@
           </a:lstStyle>
           <a:p>
             <a:r>
-              <a:rPr lang="en-US" dirty="0"/>
-              <a:t>result</a:t>
-            </a:r>
+              <a:rPr lang="en-US" dirty="0" err="1"/>
+              <a:t>isShowChart</a:t>
+            </a:r>
+            <a:endParaRPr lang="en-US" dirty="0"/>
           </a:p>
         </p:txBody>
       </p:sp>
@@ -4422,7 +4496,7 @@
         </p:nvSpPr>
         <p:spPr>
           <a:xfrm>
-            <a:off x="645270" y="3945901"/>
+            <a:off x="-300275" y="4606998"/>
             <a:ext cx="762000" cy="215444"/>
           </a:xfrm>
           <a:prstGeom prst="rect">
@@ -4448,7 +4522,11 @@
           </a:lstStyle>
           <a:p>
             <a:r>
-              <a:rPr lang="en-US" dirty="0"/>
+              <a:rPr lang="en-US" dirty="0">
+                <a:solidFill>
+                  <a:schemeClr val="tx1"/>
+                </a:solidFill>
+              </a:rPr>
               <a:t>result</a:t>
             </a:r>
           </a:p>
@@ -4462,8 +4540,8 @@
         </p:nvSpPr>
         <p:spPr>
           <a:xfrm>
-            <a:off x="7497155" y="2568606"/>
-            <a:ext cx="2181777" cy="335427"/>
+            <a:off x="9273970" y="3571330"/>
+            <a:ext cx="1470216" cy="335427"/>
           </a:xfrm>
           <a:prstGeom prst="rect">
             <a:avLst/>
@@ -4511,7 +4589,7 @@
                   <a:schemeClr val="bg1"/>
                 </a:solidFill>
               </a:rPr>
-              <a:t>VersionedAddressBook</a:t>
+              <a:t>AddressBook</a:t>
             </a:r>
             <a:endParaRPr lang="en-SG" sz="1600" dirty="0">
               <a:solidFill>
@@ -4529,7 +4607,7 @@
         </p:nvSpPr>
         <p:spPr>
           <a:xfrm>
-            <a:off x="8514207" y="3182840"/>
+            <a:off x="9941560" y="4156766"/>
             <a:ext cx="129933" cy="398562"/>
           </a:xfrm>
           <a:prstGeom prst="rect">
@@ -4576,7 +4654,7 @@
         </p:nvSpPr>
         <p:spPr>
           <a:xfrm>
-            <a:off x="2724792" y="1905793"/>
+            <a:off x="4172592" y="2123775"/>
             <a:ext cx="220343" cy="215444"/>
           </a:xfrm>
           <a:prstGeom prst="rect">
@@ -4603,7 +4681,7 @@
           <a:p>
             <a:r>
               <a:rPr lang="en-US" dirty="0"/>
-              <a:t>a</a:t>
+              <a:t>s</a:t>
             </a:r>
           </a:p>
         </p:txBody>
@@ -4616,7 +4694,7 @@
         </p:nvSpPr>
         <p:spPr>
           <a:xfrm>
-            <a:off x="6549765" y="2362200"/>
+            <a:off x="7972349" y="3254943"/>
             <a:ext cx="841636" cy="300180"/>
           </a:xfrm>
           <a:prstGeom prst="rect">
@@ -4677,8 +4755,8 @@
         </p:nvCxnSpPr>
         <p:spPr>
           <a:xfrm flipH="1">
-            <a:off x="6986491" y="2653306"/>
-            <a:ext cx="3959" cy="1735710"/>
+            <a:off x="8392739" y="3546049"/>
+            <a:ext cx="20296" cy="1254551"/>
           </a:xfrm>
           <a:prstGeom prst="line">
             <a:avLst/>
@@ -4714,7 +4792,7 @@
         </p:nvSpPr>
         <p:spPr>
           <a:xfrm>
-            <a:off x="6887527" y="2958106"/>
+            <a:off x="8298146" y="3919403"/>
             <a:ext cx="168896" cy="775693"/>
           </a:xfrm>
           <a:prstGeom prst="rect">
@@ -4763,8 +4841,8 @@
         </p:nvCxnSpPr>
         <p:spPr>
           <a:xfrm>
-            <a:off x="5685755" y="2975344"/>
-            <a:ext cx="1210345" cy="0"/>
+            <a:off x="3139151" y="4163883"/>
+            <a:ext cx="5166649" cy="27117"/>
           </a:xfrm>
           <a:prstGeom prst="straightConnector1">
             <a:avLst/>
@@ -4793,46 +4871,13 @@
       </p:cxnSp>
       <p:sp>
         <p:nvSpPr>
-          <p:cNvPr id="4" name="TextBox 3"/>
-          <p:cNvSpPr txBox="1"/>
-          <p:nvPr/>
-        </p:nvSpPr>
-        <p:spPr>
-          <a:xfrm>
-            <a:off x="5472880" y="4258211"/>
-            <a:ext cx="258404" cy="261610"/>
-          </a:xfrm>
-          <a:prstGeom prst="rect">
-            <a:avLst/>
-          </a:prstGeom>
-          <a:noFill/>
-        </p:spPr>
-        <p:txBody>
-          <a:bodyPr wrap="none" rtlCol="0">
-            <a:spAutoFit/>
-          </a:bodyPr>
-          <a:lstStyle/>
-          <a:p>
-            <a:r>
-              <a:rPr lang="en-SG" sz="1100" dirty="0">
-                <a:solidFill>
-                  <a:srgbClr val="002060"/>
-                </a:solidFill>
-              </a:rPr>
-              <a:t>X</a:t>
-            </a:r>
-          </a:p>
-        </p:txBody>
-      </p:sp>
-      <p:sp>
-        <p:nvSpPr>
           <p:cNvPr id="19" name="Rectangle 62"/>
           <p:cNvSpPr/>
           <p:nvPr/>
         </p:nvSpPr>
         <p:spPr>
           <a:xfrm>
-            <a:off x="5035976" y="1260268"/>
+            <a:off x="6483776" y="1478250"/>
             <a:ext cx="1093635" cy="461538"/>
           </a:xfrm>
           <a:prstGeom prst="rect">
@@ -4873,7 +4918,7 @@
                   <a:schemeClr val="bg1"/>
                 </a:solidFill>
               </a:rPr>
-              <a:t>a:Add</a:t>
+              <a:t>s:Stat</a:t>
             </a:r>
             <a:br>
               <a:rPr lang="en-US" sz="1600" dirty="0">
@@ -4914,7 +4959,7 @@
         </p:nvCxnSpPr>
         <p:spPr>
           <a:xfrm>
-            <a:off x="1691351" y="2731314"/>
+            <a:off x="3139151" y="2949296"/>
             <a:ext cx="3832164" cy="1"/>
           </a:xfrm>
           <a:prstGeom prst="straightConnector1">
@@ -4958,7 +5003,7 @@
         </p:nvCxnSpPr>
         <p:spPr>
           <a:xfrm>
-            <a:off x="1708245" y="1363918"/>
+            <a:off x="3156045" y="1581900"/>
             <a:ext cx="2256705" cy="1"/>
           </a:xfrm>
           <a:prstGeom prst="straightConnector1">
@@ -5002,7 +5047,7 @@
         </p:nvCxnSpPr>
         <p:spPr>
           <a:xfrm>
-            <a:off x="1691998" y="4036462"/>
+            <a:off x="3139151" y="3398199"/>
             <a:ext cx="3831517" cy="0"/>
           </a:xfrm>
           <a:prstGeom prst="straightConnector1">
@@ -5046,7 +5091,7 @@
         </p:nvSpPr>
         <p:spPr>
           <a:xfrm>
-            <a:off x="8867719" y="3258679"/>
+            <a:off x="10363200" y="4107630"/>
             <a:ext cx="2120786" cy="184666"/>
           </a:xfrm>
           <a:prstGeom prst="rect">
@@ -5078,7 +5123,7 @@
                   <a:srgbClr val="7030A0"/>
                 </a:solidFill>
               </a:rPr>
-              <a:t>updateStatistic</a:t>
+              <a:t>generateData</a:t>
             </a:r>
             <a:r>
               <a:rPr lang="en-US" sz="1200" dirty="0">
@@ -5086,7 +5131,7 @@
                   <a:srgbClr val="7030A0"/>
                 </a:solidFill>
               </a:rPr>
-              <a:t>(person)</a:t>
+              <a:t>()</a:t>
             </a:r>
             <a:endParaRPr lang="en-US" sz="1200" dirty="0"/>
           </a:p>
@@ -5107,9 +5152,9 @@
           <p:nvPr/>
         </p:nvCxnSpPr>
         <p:spPr>
-          <a:xfrm>
-            <a:off x="8588043" y="2871355"/>
-            <a:ext cx="17996" cy="1467648"/>
+          <a:xfrm flipH="1">
+            <a:off x="10000208" y="3799003"/>
+            <a:ext cx="8870" cy="884102"/>
           </a:xfrm>
           <a:prstGeom prst="line">
             <a:avLst/>
@@ -5145,7 +5190,7 @@
         </p:nvSpPr>
         <p:spPr>
           <a:xfrm>
-            <a:off x="7218385" y="2995551"/>
+            <a:off x="8629422" y="4029127"/>
             <a:ext cx="1181639" cy="184666"/>
           </a:xfrm>
           <a:prstGeom prst="rect">
@@ -5173,13 +5218,14 @@
             </a:lvl1pPr>
           </a:lstStyle>
           <a:p>
+            <a:pPr algn="ctr"/>
             <a:r>
               <a:rPr lang="en-US" sz="1200" dirty="0" err="1">
                 <a:solidFill>
                   <a:srgbClr val="7030A0"/>
                 </a:solidFill>
               </a:rPr>
-              <a:t>addPerson</a:t>
+              <a:t>getData</a:t>
             </a:r>
             <a:r>
               <a:rPr lang="en-US" sz="1200" dirty="0">
@@ -5189,7 +5235,7 @@
                   </a:schemeClr>
                 </a:solidFill>
               </a:rPr>
-              <a:t>(person)</a:t>
+              <a:t>()</a:t>
             </a:r>
           </a:p>
         </p:txBody>
@@ -5202,7 +5248,7 @@
         </p:nvCxnSpPr>
         <p:spPr>
           <a:xfrm rot="16200000" flipH="1">
-            <a:off x="8527578" y="3220579"/>
+            <a:off x="9985641" y="4332658"/>
             <a:ext cx="156923" cy="76200"/>
           </a:xfrm>
           <a:prstGeom prst="curvedConnector4">
@@ -5243,7 +5289,7 @@
         </p:nvCxnSpPr>
         <p:spPr>
           <a:xfrm>
-            <a:off x="7043991" y="3182839"/>
+            <a:off x="8466575" y="4292296"/>
             <a:ext cx="1470216" cy="0"/>
           </a:xfrm>
           <a:prstGeom prst="straightConnector1">
@@ -5287,7 +5333,7 @@
         </p:nvCxnSpPr>
         <p:spPr>
           <a:xfrm flipV="1">
-            <a:off x="7043991" y="3564914"/>
+            <a:off x="8460612" y="4544453"/>
             <a:ext cx="1470216" cy="6325"/>
           </a:xfrm>
           <a:prstGeom prst="straightConnector1">
@@ -5334,8 +5380,8 @@
         </p:nvCxnSpPr>
         <p:spPr>
           <a:xfrm>
-            <a:off x="5675919" y="3733799"/>
-            <a:ext cx="1296056" cy="0"/>
+            <a:off x="3144080" y="4675552"/>
+            <a:ext cx="5238514" cy="19544"/>
           </a:xfrm>
           <a:prstGeom prst="straightConnector1">
             <a:avLst/>
@@ -5343,6 +5389,485 @@
           <a:ln w="19050">
             <a:solidFill>
               <a:srgbClr val="7030A0"/>
+            </a:solidFill>
+            <a:prstDash val="sysDash"/>
+            <a:headEnd type="arrow" w="med" len="med"/>
+            <a:tailEnd type="none" w="med" len="med"/>
+          </a:ln>
+        </p:spPr>
+        <p:style>
+          <a:lnRef idx="1">
+            <a:schemeClr val="accent1"/>
+          </a:lnRef>
+          <a:fillRef idx="0">
+            <a:schemeClr val="accent1"/>
+          </a:fillRef>
+          <a:effectRef idx="0">
+            <a:schemeClr val="accent1"/>
+          </a:effectRef>
+          <a:fontRef idx="minor">
+            <a:schemeClr val="tx1"/>
+          </a:fontRef>
+        </p:style>
+      </p:cxnSp>
+      <p:sp>
+        <p:nvSpPr>
+          <p:cNvPr id="48" name="Rectangle 62">
+            <a:extLst>
+              <a:ext uri="{FF2B5EF4-FFF2-40B4-BE49-F238E27FC236}">
+                <a16:creationId xmlns:a16="http://schemas.microsoft.com/office/drawing/2014/main" id="{D08D373D-FDFF-4516-B102-58B8378282A1}"/>
+              </a:ext>
+            </a:extLst>
+          </p:cNvPr>
+          <p:cNvSpPr/>
+          <p:nvPr/>
+        </p:nvSpPr>
+        <p:spPr>
+          <a:xfrm>
+            <a:off x="54144" y="683856"/>
+            <a:ext cx="1455629" cy="346760"/>
+          </a:xfrm>
+          <a:prstGeom prst="rect">
+            <a:avLst/>
+          </a:prstGeom>
+          <a:solidFill>
+            <a:srgbClr val="00B050"/>
+          </a:solidFill>
+          <a:ln w="19050">
+            <a:solidFill>
+              <a:srgbClr val="00B050"/>
+            </a:solidFill>
+          </a:ln>
+          <a:effectLst/>
+        </p:spPr>
+        <p:style>
+          <a:lnRef idx="1">
+            <a:schemeClr val="accent2"/>
+          </a:lnRef>
+          <a:fillRef idx="2">
+            <a:schemeClr val="accent2"/>
+          </a:fillRef>
+          <a:effectRef idx="1">
+            <a:schemeClr val="accent2"/>
+          </a:effectRef>
+          <a:fontRef idx="minor">
+            <a:schemeClr val="dk1"/>
+          </a:fontRef>
+        </p:style>
+        <p:txBody>
+          <a:bodyPr rtlCol="0" anchor="ctr"/>
+          <a:lstStyle/>
+          <a:p>
+            <a:pPr algn="ctr"/>
+            <a:r>
+              <a:rPr lang="en-US" sz="1600" dirty="0">
+                <a:solidFill>
+                  <a:schemeClr val="bg1"/>
+                </a:solidFill>
+              </a:rPr>
+              <a:t>:</a:t>
+            </a:r>
+            <a:r>
+              <a:rPr lang="en-US" sz="1600" dirty="0" err="1">
+                <a:solidFill>
+                  <a:schemeClr val="bg1"/>
+                </a:solidFill>
+              </a:rPr>
+              <a:t>MainWindow</a:t>
+            </a:r>
+            <a:endParaRPr lang="en-SG" sz="1600" dirty="0">
+              <a:solidFill>
+                <a:schemeClr val="bg1"/>
+              </a:solidFill>
+            </a:endParaRPr>
+          </a:p>
+        </p:txBody>
+      </p:sp>
+      <p:sp>
+        <p:nvSpPr>
+          <p:cNvPr id="51" name="Rectangle 50">
+            <a:extLst>
+              <a:ext uri="{FF2B5EF4-FFF2-40B4-BE49-F238E27FC236}">
+                <a16:creationId xmlns:a16="http://schemas.microsoft.com/office/drawing/2014/main" id="{308755D0-D474-48E5-9F5F-22543782CCAD}"/>
+              </a:ext>
+            </a:extLst>
+          </p:cNvPr>
+          <p:cNvSpPr/>
+          <p:nvPr/>
+        </p:nvSpPr>
+        <p:spPr>
+          <a:xfrm>
+            <a:off x="705638" y="1256403"/>
+            <a:ext cx="169189" cy="3613019"/>
+          </a:xfrm>
+          <a:prstGeom prst="rect">
+            <a:avLst/>
+          </a:prstGeom>
+          <a:solidFill>
+            <a:srgbClr val="00B050"/>
+          </a:solidFill>
+          <a:ln>
+            <a:solidFill>
+              <a:srgbClr val="00B050"/>
+            </a:solidFill>
+          </a:ln>
+          <a:effectLst/>
+        </p:spPr>
+        <p:style>
+          <a:lnRef idx="1">
+            <a:schemeClr val="accent3"/>
+          </a:lnRef>
+          <a:fillRef idx="2">
+            <a:schemeClr val="accent3"/>
+          </a:fillRef>
+          <a:effectRef idx="1">
+            <a:schemeClr val="accent3"/>
+          </a:effectRef>
+          <a:fontRef idx="minor">
+            <a:schemeClr val="dk1"/>
+          </a:fontRef>
+        </p:style>
+        <p:txBody>
+          <a:bodyPr rtlCol="0" anchor="ctr"/>
+          <a:lstStyle/>
+          <a:p>
+            <a:pPr algn="ctr"/>
+            <a:endParaRPr lang="en-SG" sz="1400"/>
+          </a:p>
+        </p:txBody>
+      </p:sp>
+      <p:cxnSp>
+        <p:nvCxnSpPr>
+          <p:cNvPr id="53" name="Straight Connector 52">
+            <a:extLst>
+              <a:ext uri="{FF2B5EF4-FFF2-40B4-BE49-F238E27FC236}">
+                <a16:creationId xmlns:a16="http://schemas.microsoft.com/office/drawing/2014/main" id="{1201C98E-7415-4988-B061-9DA195021AE7}"/>
+              </a:ext>
+            </a:extLst>
+          </p:cNvPr>
+          <p:cNvCxnSpPr>
+            <a:cxnSpLocks/>
+          </p:cNvCxnSpPr>
+          <p:nvPr/>
+        </p:nvCxnSpPr>
+        <p:spPr>
+          <a:xfrm>
+            <a:off x="781958" y="1030616"/>
+            <a:ext cx="9195" cy="4227184"/>
+          </a:xfrm>
+          <a:prstGeom prst="line">
+            <a:avLst/>
+          </a:prstGeom>
+          <a:ln w="19050">
+            <a:solidFill>
+              <a:srgbClr val="00B050"/>
+            </a:solidFill>
+            <a:prstDash val="sysDash"/>
+          </a:ln>
+          <a:effectLst/>
+        </p:spPr>
+        <p:style>
+          <a:lnRef idx="1">
+            <a:schemeClr val="accent1"/>
+          </a:lnRef>
+          <a:fillRef idx="2">
+            <a:schemeClr val="accent1"/>
+          </a:fillRef>
+          <a:effectRef idx="1">
+            <a:schemeClr val="accent1"/>
+          </a:effectRef>
+          <a:fontRef idx="minor">
+            <a:schemeClr val="dk1"/>
+          </a:fontRef>
+        </p:style>
+      </p:cxnSp>
+      <p:cxnSp>
+        <p:nvCxnSpPr>
+          <p:cNvPr id="54" name="Straight Arrow Connector 53">
+            <a:extLst>
+              <a:ext uri="{FF2B5EF4-FFF2-40B4-BE49-F238E27FC236}">
+                <a16:creationId xmlns:a16="http://schemas.microsoft.com/office/drawing/2014/main" id="{71B84B85-59A2-478F-A519-0424256A397D}"/>
+              </a:ext>
+            </a:extLst>
+          </p:cNvPr>
+          <p:cNvCxnSpPr>
+            <a:cxnSpLocks/>
+          </p:cNvCxnSpPr>
+          <p:nvPr/>
+        </p:nvCxnSpPr>
+        <p:spPr>
+          <a:xfrm>
+            <a:off x="-719207" y="1273315"/>
+            <a:ext cx="1424846" cy="0"/>
+          </a:xfrm>
+          <a:prstGeom prst="straightConnector1">
+            <a:avLst/>
+          </a:prstGeom>
+          <a:ln w="19050">
+            <a:solidFill>
+              <a:schemeClr val="tx1"/>
+            </a:solidFill>
+            <a:tailEnd type="arrow"/>
+          </a:ln>
+        </p:spPr>
+        <p:style>
+          <a:lnRef idx="1">
+            <a:schemeClr val="accent1"/>
+          </a:lnRef>
+          <a:fillRef idx="0">
+            <a:schemeClr val="accent1"/>
+          </a:fillRef>
+          <a:effectRef idx="0">
+            <a:schemeClr val="accent1"/>
+          </a:effectRef>
+          <a:fontRef idx="minor">
+            <a:schemeClr val="tx1"/>
+          </a:fontRef>
+        </p:style>
+      </p:cxnSp>
+      <p:sp>
+        <p:nvSpPr>
+          <p:cNvPr id="55" name="TextBox 54">
+            <a:extLst>
+              <a:ext uri="{FF2B5EF4-FFF2-40B4-BE49-F238E27FC236}">
+                <a16:creationId xmlns:a16="http://schemas.microsoft.com/office/drawing/2014/main" id="{616A756E-A280-42E8-AA32-89D0BFEE3556}"/>
+              </a:ext>
+            </a:extLst>
+          </p:cNvPr>
+          <p:cNvSpPr txBox="1"/>
+          <p:nvPr/>
+        </p:nvSpPr>
+        <p:spPr>
+          <a:xfrm>
+            <a:off x="-1586237" y="1021381"/>
+            <a:ext cx="1424846" cy="215444"/>
+          </a:xfrm>
+          <a:prstGeom prst="rect">
+            <a:avLst/>
+          </a:prstGeom>
+          <a:noFill/>
+        </p:spPr>
+        <p:txBody>
+          <a:bodyPr wrap="square" lIns="0" tIns="0" rIns="0" bIns="0" rtlCol="0">
+            <a:spAutoFit/>
+          </a:bodyPr>
+          <a:lstStyle/>
+          <a:p>
+            <a:pPr algn="r"/>
+            <a:r>
+              <a:rPr lang="en-US" sz="1400" dirty="0"/>
+              <a:t>stat</a:t>
+            </a:r>
+          </a:p>
+        </p:txBody>
+      </p:sp>
+      <p:cxnSp>
+        <p:nvCxnSpPr>
+          <p:cNvPr id="57" name="Straight Arrow Connector 56">
+            <a:extLst>
+              <a:ext uri="{FF2B5EF4-FFF2-40B4-BE49-F238E27FC236}">
+                <a16:creationId xmlns:a16="http://schemas.microsoft.com/office/drawing/2014/main" id="{4F3D602D-B5C7-497F-B159-108E58C9E471}"/>
+              </a:ext>
+            </a:extLst>
+          </p:cNvPr>
+          <p:cNvCxnSpPr>
+            <a:cxnSpLocks/>
+          </p:cNvCxnSpPr>
+          <p:nvPr/>
+        </p:nvCxnSpPr>
+        <p:spPr>
+          <a:xfrm>
+            <a:off x="860526" y="3618546"/>
+            <a:ext cx="2126225" cy="0"/>
+          </a:xfrm>
+          <a:prstGeom prst="straightConnector1">
+            <a:avLst/>
+          </a:prstGeom>
+          <a:ln w="19050">
+            <a:solidFill>
+              <a:srgbClr val="0070C0"/>
+            </a:solidFill>
+            <a:prstDash val="sysDash"/>
+            <a:headEnd type="arrow" w="med" len="med"/>
+            <a:tailEnd type="none" w="med" len="med"/>
+          </a:ln>
+        </p:spPr>
+        <p:style>
+          <a:lnRef idx="1">
+            <a:schemeClr val="accent1"/>
+          </a:lnRef>
+          <a:fillRef idx="0">
+            <a:schemeClr val="accent1"/>
+          </a:fillRef>
+          <a:effectRef idx="0">
+            <a:schemeClr val="accent1"/>
+          </a:effectRef>
+          <a:fontRef idx="minor">
+            <a:schemeClr val="tx1"/>
+          </a:fontRef>
+        </p:style>
+      </p:cxnSp>
+      <p:sp>
+        <p:nvSpPr>
+          <p:cNvPr id="58" name="TextBox 57">
+            <a:extLst>
+              <a:ext uri="{FF2B5EF4-FFF2-40B4-BE49-F238E27FC236}">
+                <a16:creationId xmlns:a16="http://schemas.microsoft.com/office/drawing/2014/main" id="{910B522B-EDA0-4E01-8C88-75B2FEEEA2A3}"/>
+              </a:ext>
+            </a:extLst>
+          </p:cNvPr>
+          <p:cNvSpPr txBox="1"/>
+          <p:nvPr/>
+        </p:nvSpPr>
+        <p:spPr>
+          <a:xfrm>
+            <a:off x="1887877" y="3339679"/>
+            <a:ext cx="916259" cy="215444"/>
+          </a:xfrm>
+          <a:prstGeom prst="rect">
+            <a:avLst/>
+          </a:prstGeom>
+          <a:noFill/>
+        </p:spPr>
+        <p:txBody>
+          <a:bodyPr wrap="square" lIns="0" tIns="0" rIns="0" bIns="0" rtlCol="0">
+            <a:spAutoFit/>
+          </a:bodyPr>
+          <a:lstStyle>
+            <a:defPPr>
+              <a:defRPr lang="en-US"/>
+            </a:defPPr>
+            <a:lvl1pPr algn="r">
+              <a:defRPr sz="1400">
+                <a:solidFill>
+                  <a:srgbClr val="0070C0"/>
+                </a:solidFill>
+              </a:defRPr>
+            </a:lvl1pPr>
+          </a:lstStyle>
+          <a:p>
+            <a:r>
+              <a:rPr lang="en-US" dirty="0" err="1"/>
+              <a:t>isShowChart</a:t>
+            </a:r>
+            <a:endParaRPr lang="en-US" dirty="0"/>
+          </a:p>
+        </p:txBody>
+      </p:sp>
+      <p:cxnSp>
+        <p:nvCxnSpPr>
+          <p:cNvPr id="61" name="Straight Arrow Connector 60">
+            <a:extLst>
+              <a:ext uri="{FF2B5EF4-FFF2-40B4-BE49-F238E27FC236}">
+                <a16:creationId xmlns:a16="http://schemas.microsoft.com/office/drawing/2014/main" id="{0E85FED4-3705-4351-9D97-78A95D21A25B}"/>
+              </a:ext>
+            </a:extLst>
+          </p:cNvPr>
+          <p:cNvCxnSpPr>
+            <a:cxnSpLocks/>
+          </p:cNvCxnSpPr>
+          <p:nvPr/>
+        </p:nvCxnSpPr>
+        <p:spPr>
+          <a:xfrm>
+            <a:off x="884604" y="4037688"/>
+            <a:ext cx="2113198" cy="3689"/>
+          </a:xfrm>
+          <a:prstGeom prst="straightConnector1">
+            <a:avLst/>
+          </a:prstGeom>
+          <a:ln w="19050">
+            <a:solidFill>
+              <a:srgbClr val="00B050"/>
+            </a:solidFill>
+            <a:tailEnd type="arrow"/>
+          </a:ln>
+        </p:spPr>
+        <p:style>
+          <a:lnRef idx="1">
+            <a:schemeClr val="accent1"/>
+          </a:lnRef>
+          <a:fillRef idx="0">
+            <a:schemeClr val="accent1"/>
+          </a:fillRef>
+          <a:effectRef idx="0">
+            <a:schemeClr val="accent1"/>
+          </a:effectRef>
+          <a:fontRef idx="minor">
+            <a:schemeClr val="tx1"/>
+          </a:fontRef>
+        </p:style>
+      </p:cxnSp>
+      <p:sp>
+        <p:nvSpPr>
+          <p:cNvPr id="62" name="TextBox 61">
+            <a:extLst>
+              <a:ext uri="{FF2B5EF4-FFF2-40B4-BE49-F238E27FC236}">
+                <a16:creationId xmlns:a16="http://schemas.microsoft.com/office/drawing/2014/main" id="{D48F92E3-5452-4AB7-B23A-E60CF3814F82}"/>
+              </a:ext>
+            </a:extLst>
+          </p:cNvPr>
+          <p:cNvSpPr txBox="1"/>
+          <p:nvPr/>
+        </p:nvSpPr>
+        <p:spPr>
+          <a:xfrm>
+            <a:off x="1392812" y="3758820"/>
+            <a:ext cx="1424846" cy="215444"/>
+          </a:xfrm>
+          <a:prstGeom prst="rect">
+            <a:avLst/>
+          </a:prstGeom>
+          <a:noFill/>
+        </p:spPr>
+        <p:txBody>
+          <a:bodyPr wrap="square" lIns="0" tIns="0" rIns="0" bIns="0" rtlCol="0">
+            <a:spAutoFit/>
+          </a:bodyPr>
+          <a:lstStyle/>
+          <a:p>
+            <a:pPr algn="r"/>
+            <a:r>
+              <a:rPr lang="en-US" sz="1400" dirty="0" err="1">
+                <a:solidFill>
+                  <a:srgbClr val="0070C0"/>
+                </a:solidFill>
+              </a:rPr>
+              <a:t>updateChart</a:t>
+            </a:r>
+            <a:endParaRPr lang="en-US" sz="1400" dirty="0">
+              <a:solidFill>
+                <a:srgbClr val="0070C0"/>
+              </a:solidFill>
+            </a:endParaRPr>
+          </a:p>
+        </p:txBody>
+      </p:sp>
+      <p:cxnSp>
+        <p:nvCxnSpPr>
+          <p:cNvPr id="74" name="Straight Arrow Connector 73">
+            <a:extLst>
+              <a:ext uri="{FF2B5EF4-FFF2-40B4-BE49-F238E27FC236}">
+                <a16:creationId xmlns:a16="http://schemas.microsoft.com/office/drawing/2014/main" id="{16B167C0-2AD4-4DBA-95CB-917E28C446AC}"/>
+              </a:ext>
+            </a:extLst>
+          </p:cNvPr>
+          <p:cNvCxnSpPr>
+            <a:cxnSpLocks/>
+          </p:cNvCxnSpPr>
+          <p:nvPr/>
+        </p:nvCxnSpPr>
+        <p:spPr>
+          <a:xfrm>
+            <a:off x="-609600" y="4869422"/>
+            <a:ext cx="1315238" cy="0"/>
+          </a:xfrm>
+          <a:prstGeom prst="straightConnector1">
+            <a:avLst/>
+          </a:prstGeom>
+          <a:ln w="19050">
+            <a:solidFill>
+              <a:schemeClr val="tx1"/>
             </a:solidFill>
             <a:prstDash val="sysDash"/>
             <a:headEnd type="arrow" w="med" len="med"/>
